--- a/1-html-css/03. CSS3 선택자 및 스타일 속성.pptx
+++ b/1-html-css/03. CSS3 선택자 및 스타일 속성.pptx
@@ -5,7 +5,7 @@
     <p:sldMasterId id="2147483648" r:id="rId1"/>
   </p:sldMasterIdLst>
   <p:notesMasterIdLst>
-    <p:notesMasterId r:id="rId23"/>
+    <p:notesMasterId r:id="rId27"/>
   </p:notesMasterIdLst>
   <p:sldIdLst>
     <p:sldId id="256" r:id="rId2"/>
@@ -28,7 +28,11 @@
     <p:sldId id="328" r:id="rId19"/>
     <p:sldId id="329" r:id="rId20"/>
     <p:sldId id="327" r:id="rId21"/>
-    <p:sldId id="303" r:id="rId22"/>
+    <p:sldId id="330" r:id="rId22"/>
+    <p:sldId id="332" r:id="rId23"/>
+    <p:sldId id="331" r:id="rId24"/>
+    <p:sldId id="333" r:id="rId25"/>
+    <p:sldId id="303" r:id="rId26"/>
   </p:sldIdLst>
   <p:sldSz cx="9144000" cy="6858000" type="screen4x3"/>
   <p:notesSz cx="6858000" cy="9144000"/>
@@ -2841,21 +2845,21 @@
     </dgm:pt>
   </dgm:ptLst>
   <dgm:cxnLst>
+    <dgm:cxn modelId="{3BBFB12A-FAF5-40F1-B9C4-65DA7F2DEA03}" srcId="{2C06B8FD-FC79-4774-B59D-308B3B6E7AEE}" destId="{525068F8-0D21-43A6-909D-62C95F2D021C}" srcOrd="0" destOrd="0" parTransId="{DC7DF6AF-55BE-479E-8399-E7F72C69CA47}" sibTransId="{9B9AF44F-FA43-4D0D-8446-A0DD2DF83B4C}"/>
+    <dgm:cxn modelId="{ECD3ECFB-15E4-4D57-A7E9-41C5815606CF}" srcId="{2C06B8FD-FC79-4774-B59D-308B3B6E7AEE}" destId="{E0A7B6F5-9353-41E3-91BF-E2C824AC4AFD}" srcOrd="1" destOrd="0" parTransId="{597B1608-F5D6-4035-BC17-40F22FC92EFB}" sibTransId="{1E96A653-360C-4852-AF09-0ED9431E26C3}"/>
+    <dgm:cxn modelId="{B8C27082-701B-41F1-A938-505C87DB8C42}" srcId="{78A2BECA-AD24-4727-BAB2-4C2ACFF283AA}" destId="{C6BC4FCA-E825-49E0-BED0-C74E595E3223}" srcOrd="0" destOrd="0" parTransId="{1A91BCD7-504F-4A82-95D5-87A6553CBA13}" sibTransId="{BF357996-02A2-4E0F-A518-F3F018B4A189}"/>
+    <dgm:cxn modelId="{D7B9B746-E534-4468-971F-A384548C35BE}" srcId="{2C06B8FD-FC79-4774-B59D-308B3B6E7AEE}" destId="{1A2B490B-63B5-44A0-8421-F2EAB503815F}" srcOrd="2" destOrd="0" parTransId="{F57D472A-4C20-4CF8-B1DD-117F5F0B8825}" sibTransId="{2576F34E-4C7B-48CC-9DFC-00F8DB04294F}"/>
+    <dgm:cxn modelId="{2A273295-BEAD-4BBE-93D5-FAF3D8E02C7D}" type="presOf" srcId="{C6BC4FCA-E825-49E0-BED0-C74E595E3223}" destId="{BAADD8F6-7F41-4FE6-B489-3E1E5D31285C}" srcOrd="0" destOrd="0" presId="urn:microsoft.com/office/officeart/2005/8/layout/hierarchy1"/>
+    <dgm:cxn modelId="{C5B9FA0E-5DEE-42B6-8808-A989E1CAFF30}" type="presOf" srcId="{1A2B490B-63B5-44A0-8421-F2EAB503815F}" destId="{C3F276E3-01EF-4F40-9FAE-2D4626A44E52}" srcOrd="0" destOrd="0" presId="urn:microsoft.com/office/officeart/2005/8/layout/hierarchy1"/>
     <dgm:cxn modelId="{A6D07B6B-A6CD-48C4-8357-DE836E2090CB}" type="presOf" srcId="{525068F8-0D21-43A6-909D-62C95F2D021C}" destId="{94B5DD46-62AA-4C38-A038-292DA888DE48}" srcOrd="0" destOrd="0" presId="urn:microsoft.com/office/officeart/2005/8/layout/hierarchy1"/>
+    <dgm:cxn modelId="{C49C02B6-7327-4E3E-BEF0-47490430D99F}" type="presOf" srcId="{2C06B8FD-FC79-4774-B59D-308B3B6E7AEE}" destId="{45AF881F-1571-4AD5-B96F-E4DCA57495A8}" srcOrd="0" destOrd="0" presId="urn:microsoft.com/office/officeart/2005/8/layout/hierarchy1"/>
     <dgm:cxn modelId="{3647374C-D82D-4B2D-B494-7FAFA0B2A455}" type="presOf" srcId="{597B1608-F5D6-4035-BC17-40F22FC92EFB}" destId="{45F6A07A-C1D1-45FD-906D-61FF13D55FCF}" srcOrd="0" destOrd="0" presId="urn:microsoft.com/office/officeart/2005/8/layout/hierarchy1"/>
+    <dgm:cxn modelId="{A972E0D9-39F9-4B89-8726-89D6CB35CA27}" type="presOf" srcId="{DC7DF6AF-55BE-479E-8399-E7F72C69CA47}" destId="{BD250145-3276-406D-A965-7A3E1332952C}" srcOrd="0" destOrd="0" presId="urn:microsoft.com/office/officeart/2005/8/layout/hierarchy1"/>
     <dgm:cxn modelId="{8B7C0CFC-E7CB-45C9-842B-31723C629442}" type="presOf" srcId="{F57D472A-4C20-4CF8-B1DD-117F5F0B8825}" destId="{C27CD5F5-BC6D-4E24-9804-F1917EF3F099}" srcOrd="0" destOrd="0" presId="urn:microsoft.com/office/officeart/2005/8/layout/hierarchy1"/>
+    <dgm:cxn modelId="{97E14E70-FE31-4100-B00F-B0758B4D92B3}" type="presOf" srcId="{C6A3E94F-D865-464D-A57B-8658F8CB57F8}" destId="{88F22BAD-B4DF-4CAF-AED7-C0421763551F}" srcOrd="0" destOrd="0" presId="urn:microsoft.com/office/officeart/2005/8/layout/hierarchy1"/>
+    <dgm:cxn modelId="{A9C982F6-A3A5-4B96-86A0-5197B0562D60}" type="presOf" srcId="{E0A7B6F5-9353-41E3-91BF-E2C824AC4AFD}" destId="{B00E38CC-CC6F-4943-A67C-3B0F7595C1AF}" srcOrd="0" destOrd="0" presId="urn:microsoft.com/office/officeart/2005/8/layout/hierarchy1"/>
+    <dgm:cxn modelId="{7A98E626-3DFA-43B3-9403-0DC471D3E7E5}" type="presOf" srcId="{78A2BECA-AD24-4727-BAB2-4C2ACFF283AA}" destId="{36C9122C-66DC-4335-9DD9-024DCFC2A41D}" srcOrd="0" destOrd="0" presId="urn:microsoft.com/office/officeart/2005/8/layout/hierarchy1"/>
     <dgm:cxn modelId="{2A914608-0901-468C-AFA3-95A9B49CA59D}" srcId="{C6BC4FCA-E825-49E0-BED0-C74E595E3223}" destId="{2C06B8FD-FC79-4774-B59D-308B3B6E7AEE}" srcOrd="0" destOrd="0" parTransId="{C6A3E94F-D865-464D-A57B-8658F8CB57F8}" sibTransId="{090306A3-D1EB-4868-A35C-586F594FA360}"/>
-    <dgm:cxn modelId="{D7B9B746-E534-4468-971F-A384548C35BE}" srcId="{2C06B8FD-FC79-4774-B59D-308B3B6E7AEE}" destId="{1A2B490B-63B5-44A0-8421-F2EAB503815F}" srcOrd="2" destOrd="0" parTransId="{F57D472A-4C20-4CF8-B1DD-117F5F0B8825}" sibTransId="{2576F34E-4C7B-48CC-9DFC-00F8DB04294F}"/>
-    <dgm:cxn modelId="{ECD3ECFB-15E4-4D57-A7E9-41C5815606CF}" srcId="{2C06B8FD-FC79-4774-B59D-308B3B6E7AEE}" destId="{E0A7B6F5-9353-41E3-91BF-E2C824AC4AFD}" srcOrd="1" destOrd="0" parTransId="{597B1608-F5D6-4035-BC17-40F22FC92EFB}" sibTransId="{1E96A653-360C-4852-AF09-0ED9431E26C3}"/>
-    <dgm:cxn modelId="{3BBFB12A-FAF5-40F1-B9C4-65DA7F2DEA03}" srcId="{2C06B8FD-FC79-4774-B59D-308B3B6E7AEE}" destId="{525068F8-0D21-43A6-909D-62C95F2D021C}" srcOrd="0" destOrd="0" parTransId="{DC7DF6AF-55BE-479E-8399-E7F72C69CA47}" sibTransId="{9B9AF44F-FA43-4D0D-8446-A0DD2DF83B4C}"/>
-    <dgm:cxn modelId="{B8C27082-701B-41F1-A938-505C87DB8C42}" srcId="{78A2BECA-AD24-4727-BAB2-4C2ACFF283AA}" destId="{C6BC4FCA-E825-49E0-BED0-C74E595E3223}" srcOrd="0" destOrd="0" parTransId="{1A91BCD7-504F-4A82-95D5-87A6553CBA13}" sibTransId="{BF357996-02A2-4E0F-A518-F3F018B4A189}"/>
-    <dgm:cxn modelId="{97E14E70-FE31-4100-B00F-B0758B4D92B3}" type="presOf" srcId="{C6A3E94F-D865-464D-A57B-8658F8CB57F8}" destId="{88F22BAD-B4DF-4CAF-AED7-C0421763551F}" srcOrd="0" destOrd="0" presId="urn:microsoft.com/office/officeart/2005/8/layout/hierarchy1"/>
-    <dgm:cxn modelId="{A972E0D9-39F9-4B89-8726-89D6CB35CA27}" type="presOf" srcId="{DC7DF6AF-55BE-479E-8399-E7F72C69CA47}" destId="{BD250145-3276-406D-A965-7A3E1332952C}" srcOrd="0" destOrd="0" presId="urn:microsoft.com/office/officeart/2005/8/layout/hierarchy1"/>
-    <dgm:cxn modelId="{2A273295-BEAD-4BBE-93D5-FAF3D8E02C7D}" type="presOf" srcId="{C6BC4FCA-E825-49E0-BED0-C74E595E3223}" destId="{BAADD8F6-7F41-4FE6-B489-3E1E5D31285C}" srcOrd="0" destOrd="0" presId="urn:microsoft.com/office/officeart/2005/8/layout/hierarchy1"/>
-    <dgm:cxn modelId="{7A98E626-3DFA-43B3-9403-0DC471D3E7E5}" type="presOf" srcId="{78A2BECA-AD24-4727-BAB2-4C2ACFF283AA}" destId="{36C9122C-66DC-4335-9DD9-024DCFC2A41D}" srcOrd="0" destOrd="0" presId="urn:microsoft.com/office/officeart/2005/8/layout/hierarchy1"/>
-    <dgm:cxn modelId="{C5B9FA0E-5DEE-42B6-8808-A989E1CAFF30}" type="presOf" srcId="{1A2B490B-63B5-44A0-8421-F2EAB503815F}" destId="{C3F276E3-01EF-4F40-9FAE-2D4626A44E52}" srcOrd="0" destOrd="0" presId="urn:microsoft.com/office/officeart/2005/8/layout/hierarchy1"/>
-    <dgm:cxn modelId="{C49C02B6-7327-4E3E-BEF0-47490430D99F}" type="presOf" srcId="{2C06B8FD-FC79-4774-B59D-308B3B6E7AEE}" destId="{45AF881F-1571-4AD5-B96F-E4DCA57495A8}" srcOrd="0" destOrd="0" presId="urn:microsoft.com/office/officeart/2005/8/layout/hierarchy1"/>
-    <dgm:cxn modelId="{A9C982F6-A3A5-4B96-86A0-5197B0562D60}" type="presOf" srcId="{E0A7B6F5-9353-41E3-91BF-E2C824AC4AFD}" destId="{B00E38CC-CC6F-4943-A67C-3B0F7595C1AF}" srcOrd="0" destOrd="0" presId="urn:microsoft.com/office/officeart/2005/8/layout/hierarchy1"/>
     <dgm:cxn modelId="{AF1D86E6-9F3F-448C-BA82-70A97AB40C1C}" type="presParOf" srcId="{36C9122C-66DC-4335-9DD9-024DCFC2A41D}" destId="{C0605AA9-29EC-413A-8724-9697541924C5}" srcOrd="0" destOrd="0" presId="urn:microsoft.com/office/officeart/2005/8/layout/hierarchy1"/>
     <dgm:cxn modelId="{A155BCC6-2867-447A-AE81-F429A764E3DC}" type="presParOf" srcId="{C0605AA9-29EC-413A-8724-9697541924C5}" destId="{5E00D948-AF53-4E14-9A57-688B5ED55B2A}" srcOrd="0" destOrd="0" presId="urn:microsoft.com/office/officeart/2005/8/layout/hierarchy1"/>
     <dgm:cxn modelId="{1681F66C-EC15-4280-8D9B-6056AB4A7667}" type="presParOf" srcId="{5E00D948-AF53-4E14-9A57-688B5ED55B2A}" destId="{E9052449-B128-4A6C-A0BC-86A46F3792D1}" srcOrd="0" destOrd="0" presId="urn:microsoft.com/office/officeart/2005/8/layout/hierarchy1"/>
@@ -8676,6 +8680,90 @@
 </p:notes>
 </file>
 
+<file path=ppt/notesSlides/notesSlide2.xml><?xml version="1.0" encoding="utf-8"?>
+<p:notes xmlns:a="http://schemas.openxmlformats.org/drawingml/2006/main" xmlns:r="http://schemas.openxmlformats.org/officeDocument/2006/relationships" xmlns:p="http://schemas.openxmlformats.org/presentationml/2006/main">
+  <p:cSld>
+    <p:spTree>
+      <p:nvGrpSpPr>
+        <p:cNvPr id="1" name=""/>
+        <p:cNvGrpSpPr/>
+        <p:nvPr/>
+      </p:nvGrpSpPr>
+      <p:grpSpPr>
+        <a:xfrm>
+          <a:off x="0" y="0"/>
+          <a:ext cx="0" cy="0"/>
+          <a:chOff x="0" y="0"/>
+          <a:chExt cx="0" cy="0"/>
+        </a:xfrm>
+      </p:grpSpPr>
+      <p:sp>
+        <p:nvSpPr>
+          <p:cNvPr id="2" name="슬라이드 이미지 개체 틀 1"/>
+          <p:cNvSpPr>
+            <a:spLocks noGrp="1" noRot="1" noChangeAspect="1"/>
+          </p:cNvSpPr>
+          <p:nvPr>
+            <p:ph type="sldImg"/>
+          </p:nvPr>
+        </p:nvSpPr>
+        <p:spPr/>
+      </p:sp>
+      <p:sp>
+        <p:nvSpPr>
+          <p:cNvPr id="3" name="슬라이드 노트 개체 틀 2"/>
+          <p:cNvSpPr>
+            <a:spLocks noGrp="1"/>
+          </p:cNvSpPr>
+          <p:nvPr>
+            <p:ph type="body" idx="1"/>
+          </p:nvPr>
+        </p:nvSpPr>
+        <p:spPr/>
+        <p:txBody>
+          <a:bodyPr/>
+          <a:lstStyle/>
+          <a:p>
+            <a:endParaRPr lang="ko-KR" altLang="en-US" dirty="0"/>
+          </a:p>
+        </p:txBody>
+      </p:sp>
+      <p:sp>
+        <p:nvSpPr>
+          <p:cNvPr id="4" name="슬라이드 번호 개체 틀 3"/>
+          <p:cNvSpPr>
+            <a:spLocks noGrp="1"/>
+          </p:cNvSpPr>
+          <p:nvPr>
+            <p:ph type="sldNum" sz="quarter" idx="10"/>
+          </p:nvPr>
+        </p:nvSpPr>
+        <p:spPr/>
+        <p:txBody>
+          <a:bodyPr/>
+          <a:lstStyle/>
+          <a:p>
+            <a:fld id="{E68C3F18-6C78-4F60-8870-FAED4AB3B4B6}" type="slidenum">
+              <a:rPr lang="ko-KR" altLang="en-US" smtClean="0"/>
+              <a:t>24</a:t>
+            </a:fld>
+            <a:endParaRPr lang="ko-KR" altLang="en-US"/>
+          </a:p>
+        </p:txBody>
+      </p:sp>
+    </p:spTree>
+    <p:extLst>
+      <p:ext uri="{BB962C8B-B14F-4D97-AF65-F5344CB8AC3E}">
+        <p14:creationId xmlns:p14="http://schemas.microsoft.com/office/powerpoint/2010/main" val="2326863591"/>
+      </p:ext>
+    </p:extLst>
+  </p:cSld>
+  <p:clrMapOvr>
+    <a:masterClrMapping/>
+  </p:clrMapOvr>
+</p:notes>
+</file>
+
 <file path=ppt/slideLayouts/slideLayout1.xml><?xml version="1.0" encoding="utf-8"?>
 <p:sldLayout xmlns:a="http://schemas.openxmlformats.org/drawingml/2006/main" xmlns:r="http://schemas.openxmlformats.org/officeDocument/2006/relationships" xmlns:p="http://schemas.openxmlformats.org/presentationml/2006/main" type="title" preserve="1">
   <p:cSld name="제목 슬라이드">
@@ -8858,7 +8946,7 @@
             <a:fld id="{1879488F-3623-45BC-9557-A09A3AFFDD11}" type="datetimeFigureOut">
               <a:rPr lang="ko-KR" altLang="en-US" smtClean="0"/>
               <a:pPr/>
-              <a:t>2021-07-16</a:t>
+              <a:t>2021-07-17</a:t>
             </a:fld>
             <a:endParaRPr lang="ko-KR" altLang="en-US"/>
           </a:p>
@@ -9025,7 +9113,7 @@
             <a:fld id="{1879488F-3623-45BC-9557-A09A3AFFDD11}" type="datetimeFigureOut">
               <a:rPr lang="ko-KR" altLang="en-US" smtClean="0"/>
               <a:pPr/>
-              <a:t>2021-07-16</a:t>
+              <a:t>2021-07-17</a:t>
             </a:fld>
             <a:endParaRPr lang="ko-KR" altLang="en-US"/>
           </a:p>
@@ -9202,7 +9290,7 @@
             <a:fld id="{1879488F-3623-45BC-9557-A09A3AFFDD11}" type="datetimeFigureOut">
               <a:rPr lang="ko-KR" altLang="en-US" smtClean="0"/>
               <a:pPr/>
-              <a:t>2021-07-16</a:t>
+              <a:t>2021-07-17</a:t>
             </a:fld>
             <a:endParaRPr lang="ko-KR" altLang="en-US"/>
           </a:p>
@@ -9369,7 +9457,7 @@
             <a:fld id="{1879488F-3623-45BC-9557-A09A3AFFDD11}" type="datetimeFigureOut">
               <a:rPr lang="ko-KR" altLang="en-US" smtClean="0"/>
               <a:pPr/>
-              <a:t>2021-07-16</a:t>
+              <a:t>2021-07-17</a:t>
             </a:fld>
             <a:endParaRPr lang="ko-KR" altLang="en-US"/>
           </a:p>
@@ -9612,7 +9700,7 @@
             <a:fld id="{1879488F-3623-45BC-9557-A09A3AFFDD11}" type="datetimeFigureOut">
               <a:rPr lang="ko-KR" altLang="en-US" smtClean="0"/>
               <a:pPr/>
-              <a:t>2021-07-16</a:t>
+              <a:t>2021-07-17</a:t>
             </a:fld>
             <a:endParaRPr lang="ko-KR" altLang="en-US"/>
           </a:p>
@@ -9897,7 +9985,7 @@
             <a:fld id="{1879488F-3623-45BC-9557-A09A3AFFDD11}" type="datetimeFigureOut">
               <a:rPr lang="ko-KR" altLang="en-US" smtClean="0"/>
               <a:pPr/>
-              <a:t>2021-07-16</a:t>
+              <a:t>2021-07-17</a:t>
             </a:fld>
             <a:endParaRPr lang="ko-KR" altLang="en-US"/>
           </a:p>
@@ -10316,7 +10404,7 @@
             <a:fld id="{1879488F-3623-45BC-9557-A09A3AFFDD11}" type="datetimeFigureOut">
               <a:rPr lang="ko-KR" altLang="en-US" smtClean="0"/>
               <a:pPr/>
-              <a:t>2021-07-16</a:t>
+              <a:t>2021-07-17</a:t>
             </a:fld>
             <a:endParaRPr lang="ko-KR" altLang="en-US"/>
           </a:p>
@@ -10431,7 +10519,7 @@
             <a:fld id="{1879488F-3623-45BC-9557-A09A3AFFDD11}" type="datetimeFigureOut">
               <a:rPr lang="ko-KR" altLang="en-US" smtClean="0"/>
               <a:pPr/>
-              <a:t>2021-07-16</a:t>
+              <a:t>2021-07-17</a:t>
             </a:fld>
             <a:endParaRPr lang="ko-KR" altLang="en-US"/>
           </a:p>
@@ -10523,7 +10611,7 @@
             <a:fld id="{1879488F-3623-45BC-9557-A09A3AFFDD11}" type="datetimeFigureOut">
               <a:rPr lang="ko-KR" altLang="en-US" smtClean="0"/>
               <a:pPr/>
-              <a:t>2021-07-16</a:t>
+              <a:t>2021-07-17</a:t>
             </a:fld>
             <a:endParaRPr lang="ko-KR" altLang="en-US"/>
           </a:p>
@@ -10797,7 +10885,7 @@
             <a:fld id="{1879488F-3623-45BC-9557-A09A3AFFDD11}" type="datetimeFigureOut">
               <a:rPr lang="ko-KR" altLang="en-US" smtClean="0"/>
               <a:pPr/>
-              <a:t>2021-07-16</a:t>
+              <a:t>2021-07-17</a:t>
             </a:fld>
             <a:endParaRPr lang="ko-KR" altLang="en-US"/>
           </a:p>
@@ -11047,7 +11135,7 @@
             <a:fld id="{1879488F-3623-45BC-9557-A09A3AFFDD11}" type="datetimeFigureOut">
               <a:rPr lang="ko-KR" altLang="en-US" smtClean="0"/>
               <a:pPr/>
-              <a:t>2021-07-16</a:t>
+              <a:t>2021-07-17</a:t>
             </a:fld>
             <a:endParaRPr lang="ko-KR" altLang="en-US"/>
           </a:p>
@@ -11257,7 +11345,7 @@
             <a:fld id="{1879488F-3623-45BC-9557-A09A3AFFDD11}" type="datetimeFigureOut">
               <a:rPr lang="ko-KR" altLang="en-US" smtClean="0"/>
               <a:pPr/>
-              <a:t>2021-07-16</a:t>
+              <a:t>2021-07-17</a:t>
             </a:fld>
             <a:endParaRPr lang="ko-KR" altLang="en-US"/>
           </a:p>
@@ -11778,15 +11866,7 @@
             </a:r>
             <a:r>
               <a:rPr lang="ko-KR" altLang="en-US" sz="2000" dirty="0" smtClean="0"/>
-              <a:t> </a:t>
-            </a:r>
-            <a:r>
-              <a:rPr lang="ko-KR" altLang="en-US" sz="2000" dirty="0" smtClean="0"/>
-              <a:t>및 색상 속성을 이용하여 다양하게 </a:t>
-            </a:r>
-            <a:r>
-              <a:rPr lang="ko-KR" altLang="en-US" sz="2000" dirty="0" smtClean="0"/>
-              <a:t>실험</a:t>
+              <a:t> 및 색상 속성을 이용하여 다양하게 실험</a:t>
             </a:r>
             <a:endParaRPr lang="en-US" altLang="ko-KR" sz="2000" dirty="0" smtClean="0"/>
           </a:p>
@@ -11934,11 +12014,7 @@
           <a:p>
             <a:r>
               <a:rPr lang="ko-KR" altLang="en-US" dirty="0" smtClean="0"/>
-              <a:t>크기 </a:t>
-            </a:r>
-            <a:r>
-              <a:rPr lang="ko-KR" altLang="en-US" dirty="0" smtClean="0"/>
-              <a:t>단위</a:t>
+              <a:t>크기 단위</a:t>
             </a:r>
             <a:r>
               <a:rPr lang="en-US" altLang="ko-KR" dirty="0" smtClean="0"/>
@@ -13453,11 +13529,7 @@
             </a:r>
             <a:r>
               <a:rPr lang="ko-KR" altLang="en-US" dirty="0" smtClean="0"/>
-              <a:t>특정 위치에 패딩과 </a:t>
-            </a:r>
-            <a:r>
-              <a:rPr lang="ko-KR" altLang="en-US" dirty="0" smtClean="0"/>
-              <a:t>마진</a:t>
+              <a:t>특정 위치에 패딩과 마진</a:t>
             </a:r>
             <a:endParaRPr lang="en-US" altLang="ko-KR" dirty="0" smtClean="0"/>
           </a:p>
@@ -13690,11 +13762,7 @@
             </a:r>
             <a:r>
               <a:rPr lang="en-US" altLang="ko-KR" dirty="0" smtClean="0"/>
-              <a:t>3</a:t>
-            </a:r>
-            <a:r>
-              <a:rPr lang="en-US" altLang="ko-KR" dirty="0" smtClean="0"/>
-              <a:t>-</a:t>
+              <a:t>3-</a:t>
             </a:r>
             <a:r>
               <a:rPr lang="en-US" altLang="ko-KR" dirty="0" err="1" smtClean="0"/>
@@ -13807,7 +13875,11 @@
           <a:p>
             <a:r>
               <a:rPr lang="en-US" altLang="ko-KR" dirty="0" smtClean="0"/>
-              <a:t>4.4 </a:t>
+              <a:t>7.</a:t>
+            </a:r>
+            <a:r>
+              <a:rPr lang="en-US" altLang="ko-KR" dirty="0" smtClean="0"/>
+              <a:t> </a:t>
             </a:r>
             <a:r>
               <a:rPr lang="ko-KR" altLang="en-US" dirty="0" smtClean="0"/>
@@ -13841,15 +13913,7 @@
           <a:p>
             <a:r>
               <a:rPr lang="en-US" altLang="ko-KR" dirty="0" smtClean="0"/>
-              <a:t>border-width, border-style, </a:t>
-            </a:r>
-            <a:r>
-              <a:rPr lang="en-US" altLang="ko-KR" dirty="0" smtClean="0"/>
-              <a:t>border-color</a:t>
-            </a:r>
-            <a:r>
-              <a:rPr lang="en-US" altLang="ko-KR" dirty="0" smtClean="0"/>
-              <a:t> </a:t>
+              <a:t>border-width, border-style, border-color </a:t>
             </a:r>
             <a:r>
               <a:rPr lang="ko-KR" altLang="en-US" dirty="0" smtClean="0"/>
@@ -13865,11 +13929,7 @@
             </a:r>
             <a:r>
               <a:rPr lang="en-US" altLang="ko-KR" dirty="0" smtClean="0"/>
-              <a:t>3</a:t>
-            </a:r>
-            <a:r>
-              <a:rPr lang="en-US" altLang="ko-KR" dirty="0" smtClean="0"/>
-              <a:t>-</a:t>
+              <a:t>3-</a:t>
             </a:r>
             <a:r>
               <a:rPr lang="en-US" altLang="ko-KR" dirty="0" err="1" smtClean="0"/>
@@ -13908,11 +13968,7 @@
             </a:r>
             <a:r>
               <a:rPr lang="en-US" altLang="ko-KR" dirty="0" err="1" smtClean="0"/>
-              <a:t>2</a:t>
-            </a:r>
-            <a:r>
-              <a:rPr lang="en-US" altLang="ko-KR" dirty="0" err="1" smtClean="0"/>
-              <a:t>1.html</a:t>
+              <a:t>21.html</a:t>
             </a:r>
             <a:endParaRPr lang="en-US" altLang="ko-KR" dirty="0" smtClean="0"/>
           </a:p>
@@ -14031,8 +14087,12 @@
               <a:t>body </a:t>
             </a:r>
             <a:r>
+              <a:rPr lang="ko-KR" altLang="en-US" sz="2000" dirty="0" smtClean="0"/>
+              <a:t>중앙에 </a:t>
+            </a:r>
+            <a:r>
               <a:rPr lang="ko-KR" altLang="en-US" sz="2000" dirty="0"/>
-              <a:t>중앙 위치</a:t>
+              <a:t>위치</a:t>
             </a:r>
             <a:r>
               <a:rPr lang="en-US" altLang="ko-KR" sz="2000" dirty="0"/>
@@ -14048,7 +14108,15 @@
             </a:r>
             <a:r>
               <a:rPr lang="ko-KR" altLang="en-US" sz="2000" dirty="0"/>
-              <a:t>적용 등 기본적인 레이아웃 형식을 지정</a:t>
+              <a:t>적용 등 기본적인 </a:t>
+            </a:r>
+            <a:r>
+              <a:rPr lang="ko-KR" altLang="en-US" sz="2000" dirty="0" smtClean="0"/>
+              <a:t>공간 형식을 </a:t>
+            </a:r>
+            <a:r>
+              <a:rPr lang="ko-KR" altLang="en-US" sz="2000" dirty="0"/>
+              <a:t>지정</a:t>
             </a:r>
             <a:endParaRPr lang="en-US" altLang="ko-KR" sz="2000" dirty="0"/>
           </a:p>
@@ -14222,20 +14290,44 @@
           <a:lstStyle/>
           <a:p>
             <a:r>
+              <a:rPr lang="ko-KR" altLang="en-US" dirty="0"/>
+              <a:t>동위 </a:t>
+            </a:r>
+            <a:r>
+              <a:rPr lang="ko-KR" altLang="en-US" dirty="0" err="1" smtClean="0"/>
+              <a:t>선택자</a:t>
+            </a:r>
+            <a:r>
+              <a:rPr lang="en-US" altLang="ko-KR" dirty="0" smtClean="0"/>
+              <a:t>, </a:t>
+            </a:r>
+            <a:r>
               <a:rPr lang="ko-KR" altLang="en-US" dirty="0" smtClean="0"/>
-              <a:t>동위 </a:t>
-            </a:r>
-            <a:r>
-              <a:rPr lang="ko-KR" altLang="en-US" dirty="0" err="1"/>
+              <a:t>의사 클래스 </a:t>
+            </a:r>
+            <a:r>
+              <a:rPr lang="ko-KR" altLang="en-US" dirty="0" err="1" smtClean="0"/>
               <a:t>선택자</a:t>
             </a:r>
             <a:r>
-              <a:rPr lang="en-US" altLang="ko-KR" dirty="0"/>
+              <a:rPr lang="en-US" altLang="ko-KR" dirty="0" smtClean="0"/>
               <a:t>, </a:t>
             </a:r>
             <a:r>
               <a:rPr lang="ko-KR" altLang="en-US" dirty="0" smtClean="0"/>
-              <a:t>의사 클래스</a:t>
+              <a:t>의사 </a:t>
+            </a:r>
+            <a:r>
+              <a:rPr lang="ko-KR" altLang="en-US" dirty="0" smtClean="0"/>
+              <a:t>요소 </a:t>
+            </a:r>
+            <a:r>
+              <a:rPr lang="ko-KR" altLang="en-US" dirty="0" err="1" smtClean="0"/>
+              <a:t>선택자</a:t>
+            </a:r>
+            <a:r>
+              <a:rPr lang="en-US" altLang="ko-KR" dirty="0" smtClean="0"/>
+              <a:t>, </a:t>
             </a:r>
             <a:endParaRPr lang="en-US" altLang="ko-KR" dirty="0" smtClean="0"/>
           </a:p>
@@ -14535,8 +14627,13 @@
             </a:r>
             <a:r>
               <a:rPr lang="en-US" altLang="ko-KR" dirty="0" smtClean="0"/>
-              <a:t>3-21.html</a:t>
-            </a:r>
+              <a:t>3-</a:t>
+            </a:r>
+            <a:r>
+              <a:rPr lang="en-US" altLang="ko-KR" dirty="0" err="1" smtClean="0"/>
+              <a:t>22.html</a:t>
+            </a:r>
+            <a:endParaRPr lang="en-US" altLang="ko-KR" dirty="0" smtClean="0"/>
           </a:p>
         </p:txBody>
       </p:sp>
@@ -14631,6 +14728,822 @@
 </file>
 
 <file path=ppt/slides/slide21.xml><?xml version="1.0" encoding="utf-8"?>
+<p:sld xmlns:a="http://schemas.openxmlformats.org/drawingml/2006/main" xmlns:r="http://schemas.openxmlformats.org/officeDocument/2006/relationships" xmlns:p="http://schemas.openxmlformats.org/presentationml/2006/main">
+  <p:cSld>
+    <p:spTree>
+      <p:nvGrpSpPr>
+        <p:cNvPr id="1" name=""/>
+        <p:cNvGrpSpPr/>
+        <p:nvPr/>
+      </p:nvGrpSpPr>
+      <p:grpSpPr>
+        <a:xfrm>
+          <a:off x="0" y="0"/>
+          <a:ext cx="0" cy="0"/>
+          <a:chOff x="0" y="0"/>
+          <a:chExt cx="0" cy="0"/>
+        </a:xfrm>
+      </p:grpSpPr>
+      <p:sp>
+        <p:nvSpPr>
+          <p:cNvPr id="2" name="제목 1"/>
+          <p:cNvSpPr>
+            <a:spLocks noGrp="1"/>
+          </p:cNvSpPr>
+          <p:nvPr>
+            <p:ph type="title"/>
+          </p:nvPr>
+        </p:nvSpPr>
+        <p:spPr/>
+        <p:txBody>
+          <a:bodyPr>
+            <a:normAutofit/>
+          </a:bodyPr>
+          <a:lstStyle/>
+          <a:p>
+            <a:r>
+              <a:rPr lang="en-US" altLang="ko-KR" dirty="0" smtClean="0"/>
+              <a:t>8. </a:t>
+            </a:r>
+            <a:r>
+              <a:rPr lang="ko-KR" altLang="en-US" dirty="0" smtClean="0"/>
+              <a:t>의사 클래스 </a:t>
+            </a:r>
+            <a:r>
+              <a:rPr lang="en-US" altLang="ko-KR" dirty="0" smtClean="0"/>
+              <a:t>- </a:t>
+            </a:r>
+            <a:r>
+              <a:rPr lang="ko-KR" altLang="en-US" dirty="0" smtClean="0"/>
+              <a:t>반응 </a:t>
+            </a:r>
+            <a:r>
+              <a:rPr lang="ko-KR" altLang="en-US" dirty="0" err="1" smtClean="0"/>
+              <a:t>선택자</a:t>
+            </a:r>
+            <a:endParaRPr lang="ko-KR" altLang="en-US" dirty="0"/>
+          </a:p>
+        </p:txBody>
+      </p:sp>
+      <p:sp>
+        <p:nvSpPr>
+          <p:cNvPr id="3" name="내용 개체 틀 2"/>
+          <p:cNvSpPr>
+            <a:spLocks noGrp="1"/>
+          </p:cNvSpPr>
+          <p:nvPr>
+            <p:ph idx="1"/>
+          </p:nvPr>
+        </p:nvSpPr>
+        <p:spPr/>
+        <p:txBody>
+          <a:bodyPr>
+            <a:normAutofit/>
+          </a:bodyPr>
+          <a:lstStyle/>
+          <a:p>
+            <a:r>
+              <a:rPr lang="en-US" altLang="ko-KR" dirty="0" smtClean="0"/>
+              <a:t>:active</a:t>
+            </a:r>
+          </a:p>
+          <a:p>
+            <a:pPr lvl="1"/>
+            <a:r>
+              <a:rPr lang="ko-KR" altLang="en-US" dirty="0" smtClean="0"/>
+              <a:t>사용자가 마우스로 클릭한 태그를 선택</a:t>
+            </a:r>
+            <a:endParaRPr lang="en-US" altLang="ko-KR" dirty="0" smtClean="0"/>
+          </a:p>
+          <a:p>
+            <a:r>
+              <a:rPr lang="en-US" altLang="ko-KR" dirty="0" smtClean="0"/>
+              <a:t>:hover</a:t>
+            </a:r>
+          </a:p>
+          <a:p>
+            <a:pPr lvl="1"/>
+            <a:r>
+              <a:rPr lang="ko-KR" altLang="en-US" dirty="0" smtClean="0"/>
+              <a:t>사용자가 포인터를 올린 태그를 선택</a:t>
+            </a:r>
+            <a:endParaRPr lang="en-US" altLang="ko-KR" dirty="0" smtClean="0"/>
+          </a:p>
+          <a:p>
+            <a:pPr lvl="1">
+              <a:buNone/>
+            </a:pPr>
+            <a:endParaRPr lang="en-US" altLang="ko-KR" dirty="0" smtClean="0"/>
+          </a:p>
+          <a:p>
+            <a:r>
+              <a:rPr lang="ko-KR" altLang="en-US" dirty="0" smtClean="0"/>
+              <a:t>예제 </a:t>
+            </a:r>
+            <a:r>
+              <a:rPr lang="en-US" altLang="ko-KR" dirty="0" smtClean="0"/>
+              <a:t>3-</a:t>
+            </a:r>
+            <a:r>
+              <a:rPr lang="en-US" altLang="ko-KR" dirty="0" err="1" smtClean="0"/>
+              <a:t>23.html</a:t>
+            </a:r>
+            <a:endParaRPr lang="en-US" altLang="ko-KR" dirty="0" smtClean="0"/>
+          </a:p>
+          <a:p>
+            <a:pPr lvl="1">
+              <a:buNone/>
+            </a:pPr>
+            <a:endParaRPr lang="en-US" altLang="ko-KR" dirty="0" smtClean="0"/>
+          </a:p>
+        </p:txBody>
+      </p:sp>
+    </p:spTree>
+    <p:extLst>
+      <p:ext uri="{BB962C8B-B14F-4D97-AF65-F5344CB8AC3E}">
+        <p14:creationId xmlns:p14="http://schemas.microsoft.com/office/powerpoint/2010/main" val="2292256928"/>
+      </p:ext>
+    </p:extLst>
+  </p:cSld>
+  <p:clrMapOvr>
+    <a:masterClrMapping/>
+  </p:clrMapOvr>
+</p:sld>
+</file>
+
+<file path=ppt/slides/slide22.xml><?xml version="1.0" encoding="utf-8"?>
+<p:sld xmlns:a="http://schemas.openxmlformats.org/drawingml/2006/main" xmlns:r="http://schemas.openxmlformats.org/officeDocument/2006/relationships" xmlns:p="http://schemas.openxmlformats.org/presentationml/2006/main">
+  <p:cSld>
+    <p:spTree>
+      <p:nvGrpSpPr>
+        <p:cNvPr id="1" name=""/>
+        <p:cNvGrpSpPr/>
+        <p:nvPr/>
+      </p:nvGrpSpPr>
+      <p:grpSpPr>
+        <a:xfrm>
+          <a:off x="0" y="0"/>
+          <a:ext cx="0" cy="0"/>
+          <a:chOff x="0" y="0"/>
+          <a:chExt cx="0" cy="0"/>
+        </a:xfrm>
+      </p:grpSpPr>
+      <p:sp>
+        <p:nvSpPr>
+          <p:cNvPr id="2" name="제목 1"/>
+          <p:cNvSpPr>
+            <a:spLocks noGrp="1"/>
+          </p:cNvSpPr>
+          <p:nvPr>
+            <p:ph type="title"/>
+          </p:nvPr>
+        </p:nvSpPr>
+        <p:spPr/>
+        <p:txBody>
+          <a:bodyPr>
+            <a:normAutofit/>
+          </a:bodyPr>
+          <a:lstStyle/>
+          <a:p>
+            <a:r>
+              <a:rPr lang="en-US" altLang="ko-KR" dirty="0" smtClean="0"/>
+              <a:t>10.</a:t>
+            </a:r>
+            <a:r>
+              <a:rPr lang="en-US" altLang="ko-KR" dirty="0" smtClean="0"/>
+              <a:t> </a:t>
+            </a:r>
+            <a:r>
+              <a:rPr lang="ko-KR" altLang="en-US" dirty="0" smtClean="0"/>
+              <a:t>의사 클래스</a:t>
+            </a:r>
+            <a:r>
+              <a:rPr lang="en-US" altLang="ko-KR" dirty="0" smtClean="0"/>
+              <a:t>- </a:t>
+            </a:r>
+            <a:r>
+              <a:rPr lang="ko-KR" altLang="en-US" dirty="0" smtClean="0"/>
+              <a:t>링크 </a:t>
+            </a:r>
+            <a:r>
+              <a:rPr lang="ko-KR" altLang="en-US" dirty="0" err="1" smtClean="0"/>
+              <a:t>선택자</a:t>
+            </a:r>
+            <a:endParaRPr lang="ko-KR" altLang="en-US" dirty="0"/>
+          </a:p>
+        </p:txBody>
+      </p:sp>
+      <p:sp>
+        <p:nvSpPr>
+          <p:cNvPr id="3" name="내용 개체 틀 2"/>
+          <p:cNvSpPr>
+            <a:spLocks noGrp="1"/>
+          </p:cNvSpPr>
+          <p:nvPr>
+            <p:ph idx="1"/>
+          </p:nvPr>
+        </p:nvSpPr>
+        <p:spPr/>
+        <p:txBody>
+          <a:bodyPr>
+            <a:normAutofit/>
+          </a:bodyPr>
+          <a:lstStyle/>
+          <a:p>
+            <a:r>
+              <a:rPr lang="ko-KR" altLang="en-US" dirty="0" smtClean="0"/>
+              <a:t>링크 </a:t>
+            </a:r>
+            <a:r>
+              <a:rPr lang="ko-KR" altLang="en-US" dirty="0" err="1" smtClean="0"/>
+              <a:t>선택자</a:t>
+            </a:r>
+            <a:r>
+              <a:rPr lang="en-US" altLang="ko-KR" dirty="0" smtClean="0"/>
+              <a:t>: a</a:t>
+            </a:r>
+            <a:r>
+              <a:rPr lang="ko-KR" altLang="en-US" dirty="0" smtClean="0"/>
+              <a:t>태그에</a:t>
+            </a:r>
+            <a:r>
+              <a:rPr lang="en-US" altLang="ko-KR" dirty="0" smtClean="0"/>
+              <a:t> </a:t>
+            </a:r>
+            <a:r>
+              <a:rPr lang="ko-KR" altLang="en-US" dirty="0" smtClean="0"/>
+              <a:t>적용되는 </a:t>
+            </a:r>
+            <a:r>
+              <a:rPr lang="ko-KR" altLang="en-US" dirty="0" err="1" smtClean="0"/>
+              <a:t>선택자</a:t>
+            </a:r>
+            <a:endParaRPr lang="en-US" altLang="ko-KR" dirty="0" smtClean="0"/>
+          </a:p>
+          <a:p>
+            <a:r>
+              <a:rPr lang="en-US" altLang="ko-KR" dirty="0" smtClean="0"/>
+              <a:t>:link</a:t>
+            </a:r>
+          </a:p>
+          <a:p>
+            <a:pPr lvl="1"/>
+            <a:r>
+              <a:rPr lang="en-US" altLang="ko-KR" dirty="0" err="1" smtClean="0"/>
+              <a:t>href</a:t>
+            </a:r>
+            <a:r>
+              <a:rPr lang="en-US" altLang="ko-KR" dirty="0" smtClean="0"/>
+              <a:t> </a:t>
+            </a:r>
+            <a:r>
+              <a:rPr lang="ko-KR" altLang="en-US" dirty="0" smtClean="0"/>
+              <a:t>속성을 가지고 있는 </a:t>
+            </a:r>
+            <a:r>
+              <a:rPr lang="en-US" altLang="ko-KR" dirty="0" smtClean="0"/>
+              <a:t>a</a:t>
+            </a:r>
+            <a:r>
+              <a:rPr lang="ko-KR" altLang="en-US" dirty="0" smtClean="0"/>
+              <a:t> 태그를 </a:t>
+            </a:r>
+            <a:r>
+              <a:rPr lang="ko-KR" altLang="en-US" dirty="0" smtClean="0"/>
+              <a:t>선택</a:t>
+            </a:r>
+            <a:endParaRPr lang="en-US" altLang="ko-KR" dirty="0" smtClean="0"/>
+          </a:p>
+          <a:p>
+            <a:r>
+              <a:rPr lang="en-US" altLang="ko-KR" dirty="0" smtClean="0"/>
+              <a:t>:visited</a:t>
+            </a:r>
+          </a:p>
+          <a:p>
+            <a:pPr lvl="1"/>
+            <a:r>
+              <a:rPr lang="ko-KR" altLang="en-US" dirty="0" smtClean="0"/>
+              <a:t>방문한 링크가 있는 </a:t>
+            </a:r>
+            <a:r>
+              <a:rPr lang="en-US" altLang="ko-KR" dirty="0" smtClean="0"/>
+              <a:t>a</a:t>
+            </a:r>
+            <a:r>
+              <a:rPr lang="ko-KR" altLang="en-US" dirty="0" smtClean="0"/>
+              <a:t>태그를 선택</a:t>
+            </a:r>
+            <a:endParaRPr lang="en-US" altLang="ko-KR" dirty="0" smtClean="0"/>
+          </a:p>
+          <a:p>
+            <a:r>
+              <a:rPr lang="ko-KR" altLang="en-US" dirty="0" smtClean="0"/>
+              <a:t>예제</a:t>
+            </a:r>
+            <a:r>
+              <a:rPr lang="en-US" altLang="ko-KR" dirty="0" smtClean="0"/>
+              <a:t>3-</a:t>
+            </a:r>
+            <a:r>
+              <a:rPr lang="en-US" altLang="ko-KR" dirty="0" err="1" smtClean="0"/>
+              <a:t>24.html</a:t>
+            </a:r>
+            <a:endParaRPr lang="en-US" altLang="ko-KR" dirty="0" smtClean="0"/>
+          </a:p>
+        </p:txBody>
+      </p:sp>
+    </p:spTree>
+    <p:extLst>
+      <p:ext uri="{BB962C8B-B14F-4D97-AF65-F5344CB8AC3E}">
+        <p14:creationId xmlns:p14="http://schemas.microsoft.com/office/powerpoint/2010/main" val="1786760724"/>
+      </p:ext>
+    </p:extLst>
+  </p:cSld>
+  <p:clrMapOvr>
+    <a:masterClrMapping/>
+  </p:clrMapOvr>
+</p:sld>
+</file>
+
+<file path=ppt/slides/slide23.xml><?xml version="1.0" encoding="utf-8"?>
+<p:sld xmlns:a="http://schemas.openxmlformats.org/drawingml/2006/main" xmlns:r="http://schemas.openxmlformats.org/officeDocument/2006/relationships" xmlns:p="http://schemas.openxmlformats.org/presentationml/2006/main">
+  <p:cSld>
+    <p:spTree>
+      <p:nvGrpSpPr>
+        <p:cNvPr id="1" name=""/>
+        <p:cNvGrpSpPr/>
+        <p:nvPr/>
+      </p:nvGrpSpPr>
+      <p:grpSpPr>
+        <a:xfrm>
+          <a:off x="0" y="0"/>
+          <a:ext cx="0" cy="0"/>
+          <a:chOff x="0" y="0"/>
+          <a:chExt cx="0" cy="0"/>
+        </a:xfrm>
+      </p:grpSpPr>
+      <p:sp>
+        <p:nvSpPr>
+          <p:cNvPr id="2" name="제목 1"/>
+          <p:cNvSpPr>
+            <a:spLocks noGrp="1"/>
+          </p:cNvSpPr>
+          <p:nvPr>
+            <p:ph type="title"/>
+          </p:nvPr>
+        </p:nvSpPr>
+        <p:spPr/>
+        <p:txBody>
+          <a:bodyPr>
+            <a:normAutofit/>
+          </a:bodyPr>
+          <a:lstStyle/>
+          <a:p>
+            <a:r>
+              <a:rPr lang="en-US" altLang="ko-KR" dirty="0" smtClean="0"/>
+              <a:t>9. </a:t>
+            </a:r>
+            <a:r>
+              <a:rPr lang="ko-KR" altLang="en-US" dirty="0" smtClean="0"/>
+              <a:t>의사 요소 </a:t>
+            </a:r>
+            <a:r>
+              <a:rPr lang="en-US" altLang="ko-KR" dirty="0" smtClean="0"/>
+              <a:t>- </a:t>
+            </a:r>
+            <a:r>
+              <a:rPr lang="ko-KR" altLang="en-US" dirty="0" smtClean="0"/>
+              <a:t>문자 </a:t>
+            </a:r>
+            <a:r>
+              <a:rPr lang="ko-KR" altLang="en-US" dirty="0" err="1" smtClean="0"/>
+              <a:t>선택자</a:t>
+            </a:r>
+            <a:endParaRPr lang="ko-KR" altLang="en-US" dirty="0"/>
+          </a:p>
+        </p:txBody>
+      </p:sp>
+      <p:sp>
+        <p:nvSpPr>
+          <p:cNvPr id="3" name="내용 개체 틀 2"/>
+          <p:cNvSpPr>
+            <a:spLocks noGrp="1"/>
+          </p:cNvSpPr>
+          <p:nvPr>
+            <p:ph idx="1"/>
+          </p:nvPr>
+        </p:nvSpPr>
+        <p:spPr/>
+        <p:txBody>
+          <a:bodyPr>
+            <a:normAutofit fontScale="77500" lnSpcReduction="20000"/>
+          </a:bodyPr>
+          <a:lstStyle/>
+          <a:p>
+            <a:r>
+              <a:rPr lang="en-US" altLang="ko-KR" dirty="0" smtClean="0"/>
+              <a:t>::first-letter - </a:t>
+            </a:r>
+            <a:r>
+              <a:rPr lang="ko-KR" altLang="en-US" dirty="0" smtClean="0"/>
+              <a:t>첫 번째 글자를 선택</a:t>
+            </a:r>
+            <a:endParaRPr lang="en-US" altLang="ko-KR" dirty="0" smtClean="0"/>
+          </a:p>
+          <a:p>
+            <a:r>
+              <a:rPr lang="en-US" altLang="ko-KR" dirty="0" smtClean="0"/>
+              <a:t>::first-line - </a:t>
+            </a:r>
+            <a:r>
+              <a:rPr lang="ko-KR" altLang="en-US" dirty="0" smtClean="0"/>
+              <a:t>첫 번째 줄을 선택</a:t>
+            </a:r>
+            <a:endParaRPr lang="en-US" altLang="ko-KR" dirty="0" smtClean="0"/>
+          </a:p>
+          <a:p>
+            <a:r>
+              <a:rPr lang="ko-KR" altLang="en-US" dirty="0" smtClean="0"/>
+              <a:t>예제</a:t>
+            </a:r>
+            <a:r>
+              <a:rPr lang="en-US" altLang="ko-KR" dirty="0" smtClean="0"/>
+              <a:t>3-</a:t>
+            </a:r>
+            <a:r>
+              <a:rPr lang="en-US" altLang="ko-KR" dirty="0" err="1" smtClean="0"/>
+              <a:t>25.html</a:t>
+            </a:r>
+            <a:endParaRPr lang="en-US" altLang="ko-KR" dirty="0" smtClean="0"/>
+          </a:p>
+          <a:p>
+            <a:endParaRPr lang="en-US" altLang="ko-KR" dirty="0" smtClean="0"/>
+          </a:p>
+          <a:p>
+            <a:r>
+              <a:rPr lang="en-US" altLang="ko-KR" dirty="0" smtClean="0"/>
+              <a:t>::after - </a:t>
+            </a:r>
+            <a:r>
+              <a:rPr lang="ko-KR" altLang="en-US" dirty="0" smtClean="0"/>
+              <a:t>태그 뒤에 위치하는 공간을 선택</a:t>
+            </a:r>
+            <a:endParaRPr lang="en-US" altLang="ko-KR" dirty="0" smtClean="0"/>
+          </a:p>
+          <a:p>
+            <a:r>
+              <a:rPr lang="en-US" altLang="ko-KR" dirty="0" smtClean="0"/>
+              <a:t>::before - </a:t>
+            </a:r>
+            <a:r>
+              <a:rPr lang="ko-KR" altLang="en-US" dirty="0" smtClean="0"/>
+              <a:t>태그 앞에 위치하는 공간을 선택</a:t>
+            </a:r>
+            <a:endParaRPr lang="en-US" altLang="ko-KR" dirty="0" smtClean="0"/>
+          </a:p>
+          <a:p>
+            <a:r>
+              <a:rPr lang="ko-KR" altLang="en-US" dirty="0" smtClean="0"/>
+              <a:t>예제</a:t>
+            </a:r>
+            <a:r>
+              <a:rPr lang="en-US" altLang="ko-KR" dirty="0" smtClean="0"/>
+              <a:t>3-</a:t>
+            </a:r>
+            <a:r>
+              <a:rPr lang="en-US" altLang="ko-KR" dirty="0" err="1" smtClean="0"/>
+              <a:t>26</a:t>
+            </a:r>
+            <a:r>
+              <a:rPr lang="en-US" altLang="ko-KR" dirty="0" err="1" smtClean="0"/>
+              <a:t>.html</a:t>
+            </a:r>
+            <a:r>
+              <a:rPr lang="en-US" altLang="ko-KR" dirty="0" smtClean="0"/>
+              <a:t> – </a:t>
+            </a:r>
+            <a:r>
+              <a:rPr lang="en-US" altLang="ko-KR" dirty="0" err="1" smtClean="0"/>
+              <a:t>u</a:t>
+            </a:r>
+            <a:r>
+              <a:rPr lang="en-US" altLang="ko-KR" dirty="0" err="1" smtClean="0"/>
+              <a:t>l</a:t>
+            </a:r>
+            <a:r>
+              <a:rPr lang="en-US" altLang="ko-KR" dirty="0" smtClean="0"/>
+              <a:t> </a:t>
+            </a:r>
+            <a:r>
+              <a:rPr lang="ko-KR" altLang="en-US" dirty="0" smtClean="0"/>
+              <a:t>및 </a:t>
+            </a:r>
+            <a:r>
+              <a:rPr lang="en-US" altLang="ko-KR" dirty="0" smtClean="0"/>
+              <a:t>li</a:t>
+            </a:r>
+          </a:p>
+          <a:p>
+            <a:r>
+              <a:rPr lang="ko-KR" altLang="en-US" dirty="0" smtClean="0"/>
+              <a:t>예제</a:t>
+            </a:r>
+            <a:r>
+              <a:rPr lang="en-US" altLang="ko-KR" dirty="0" smtClean="0"/>
+              <a:t>3-</a:t>
+            </a:r>
+            <a:r>
+              <a:rPr lang="en-US" altLang="ko-KR" dirty="0" err="1" smtClean="0"/>
+              <a:t>27.html</a:t>
+            </a:r>
+            <a:r>
+              <a:rPr lang="en-US" altLang="ko-KR" dirty="0" smtClean="0"/>
+              <a:t> – </a:t>
+            </a:r>
+            <a:r>
+              <a:rPr lang="en-US" altLang="ko-KR" dirty="0" err="1" smtClean="0"/>
+              <a:t>ol</a:t>
+            </a:r>
+            <a:r>
+              <a:rPr lang="en-US" altLang="ko-KR" dirty="0" smtClean="0"/>
+              <a:t> </a:t>
+            </a:r>
+            <a:r>
+              <a:rPr lang="ko-KR" altLang="en-US" dirty="0" smtClean="0"/>
+              <a:t>및 </a:t>
+            </a:r>
+            <a:r>
+              <a:rPr lang="en-US" altLang="ko-KR" dirty="0" smtClean="0"/>
+              <a:t>li</a:t>
+            </a:r>
+            <a:endParaRPr lang="en-US" altLang="ko-KR" dirty="0" smtClean="0"/>
+          </a:p>
+          <a:p>
+            <a:endParaRPr lang="en-US" altLang="ko-KR" dirty="0" smtClean="0"/>
+          </a:p>
+          <a:p>
+            <a:r>
+              <a:rPr lang="en-US" altLang="ko-KR" dirty="0" smtClean="0"/>
+              <a:t>::selection - </a:t>
+            </a:r>
+            <a:r>
+              <a:rPr lang="ko-KR" altLang="en-US" dirty="0" smtClean="0"/>
+              <a:t>사용자가 드래그한 글자를 선택</a:t>
+            </a:r>
+            <a:endParaRPr lang="en-US" altLang="ko-KR" dirty="0" smtClean="0"/>
+          </a:p>
+          <a:p>
+            <a:r>
+              <a:rPr lang="ko-KR" altLang="en-US" dirty="0" smtClean="0"/>
+              <a:t>예제</a:t>
+            </a:r>
+            <a:r>
+              <a:rPr lang="en-US" altLang="ko-KR" dirty="0" smtClean="0"/>
+              <a:t> </a:t>
+            </a:r>
+            <a:r>
+              <a:rPr lang="en-US" altLang="ko-KR" dirty="0" smtClean="0"/>
+              <a:t>3-</a:t>
+            </a:r>
+            <a:r>
+              <a:rPr lang="en-US" altLang="ko-KR" dirty="0" err="1" smtClean="0"/>
+              <a:t>28.html</a:t>
+            </a:r>
+            <a:endParaRPr lang="en-US" altLang="ko-KR" dirty="0" smtClean="0"/>
+          </a:p>
+        </p:txBody>
+      </p:sp>
+    </p:spTree>
+    <p:extLst>
+      <p:ext uri="{BB962C8B-B14F-4D97-AF65-F5344CB8AC3E}">
+        <p14:creationId xmlns:p14="http://schemas.microsoft.com/office/powerpoint/2010/main" val="714359961"/>
+      </p:ext>
+    </p:extLst>
+  </p:cSld>
+  <p:clrMapOvr>
+    <a:masterClrMapping/>
+  </p:clrMapOvr>
+</p:sld>
+</file>
+
+<file path=ppt/slides/slide24.xml><?xml version="1.0" encoding="utf-8"?>
+<p:sld xmlns:a="http://schemas.openxmlformats.org/drawingml/2006/main" xmlns:r="http://schemas.openxmlformats.org/officeDocument/2006/relationships" xmlns:p="http://schemas.openxmlformats.org/presentationml/2006/main">
+  <p:cSld>
+    <p:spTree>
+      <p:nvGrpSpPr>
+        <p:cNvPr id="1" name=""/>
+        <p:cNvGrpSpPr/>
+        <p:nvPr/>
+      </p:nvGrpSpPr>
+      <p:grpSpPr>
+        <a:xfrm>
+          <a:off x="0" y="0"/>
+          <a:ext cx="0" cy="0"/>
+          <a:chOff x="0" y="0"/>
+          <a:chExt cx="0" cy="0"/>
+        </a:xfrm>
+      </p:grpSpPr>
+      <p:sp>
+        <p:nvSpPr>
+          <p:cNvPr id="2" name="제목 1"/>
+          <p:cNvSpPr>
+            <a:spLocks noGrp="1"/>
+          </p:cNvSpPr>
+          <p:nvPr>
+            <p:ph type="title"/>
+          </p:nvPr>
+        </p:nvSpPr>
+        <p:spPr/>
+        <p:txBody>
+          <a:bodyPr/>
+          <a:lstStyle/>
+          <a:p>
+            <a:r>
+              <a:rPr lang="ko-KR" altLang="en-US" dirty="0" smtClean="0"/>
+              <a:t>레시피 프로젝트 </a:t>
+            </a:r>
+            <a:r>
+              <a:rPr lang="en-US" altLang="ko-KR" dirty="0" smtClean="0"/>
+              <a:t>– </a:t>
+            </a:r>
+            <a:r>
+              <a:rPr lang="ko-KR" altLang="en-US" dirty="0" smtClean="0"/>
+              <a:t>모듈</a:t>
+            </a:r>
+            <a:r>
+              <a:rPr lang="en-US" altLang="ko-KR" dirty="0"/>
+              <a:t>6</a:t>
+            </a:r>
+            <a:endParaRPr lang="ko-KR" altLang="en-US" dirty="0"/>
+          </a:p>
+        </p:txBody>
+      </p:sp>
+      <p:sp>
+        <p:nvSpPr>
+          <p:cNvPr id="3" name="내용 개체 틀 2"/>
+          <p:cNvSpPr>
+            <a:spLocks noGrp="1"/>
+          </p:cNvSpPr>
+          <p:nvPr>
+            <p:ph idx="1"/>
+          </p:nvPr>
+        </p:nvSpPr>
+        <p:spPr>
+          <a:xfrm>
+            <a:off x="457200" y="1600200"/>
+            <a:ext cx="4114800" cy="4525963"/>
+          </a:xfrm>
+        </p:spPr>
+        <p:txBody>
+          <a:bodyPr>
+            <a:normAutofit/>
+          </a:bodyPr>
+          <a:lstStyle/>
+          <a:p>
+            <a:r>
+              <a:rPr lang="ko-KR" altLang="en-US" sz="2000" dirty="0" smtClean="0"/>
+              <a:t>동위 </a:t>
+            </a:r>
+            <a:r>
+              <a:rPr lang="ko-KR" altLang="en-US" sz="2000" dirty="0" err="1" smtClean="0"/>
+              <a:t>선택자</a:t>
+            </a:r>
+            <a:r>
+              <a:rPr lang="en-US" altLang="ko-KR" sz="2000" dirty="0" smtClean="0"/>
+              <a:t>, </a:t>
+            </a:r>
+            <a:r>
+              <a:rPr lang="ko-KR" altLang="en-US" sz="2000" dirty="0" smtClean="0"/>
+              <a:t>의사 클래스 </a:t>
+            </a:r>
+            <a:r>
+              <a:rPr lang="ko-KR" altLang="en-US" sz="2000" dirty="0" err="1" smtClean="0"/>
+              <a:t>선택자</a:t>
+            </a:r>
+            <a:r>
+              <a:rPr lang="en-US" altLang="ko-KR" sz="2000" dirty="0" smtClean="0"/>
+              <a:t>, </a:t>
+            </a:r>
+            <a:r>
+              <a:rPr lang="ko-KR" altLang="en-US" sz="2000" dirty="0" smtClean="0"/>
+              <a:t>의사 요소 </a:t>
+            </a:r>
+            <a:r>
+              <a:rPr lang="ko-KR" altLang="en-US" sz="2000" dirty="0" err="1" smtClean="0"/>
+              <a:t>선택자를</a:t>
+            </a:r>
+            <a:r>
+              <a:rPr lang="ko-KR" altLang="en-US" sz="2000" dirty="0" smtClean="0"/>
+              <a:t> 이용하여 다양하게 실험</a:t>
+            </a:r>
+            <a:endParaRPr lang="en-US" altLang="ko-KR" sz="2000" dirty="0" smtClean="0"/>
+          </a:p>
+          <a:p>
+            <a:endParaRPr lang="en-US" altLang="ko-KR" sz="2000" dirty="0"/>
+          </a:p>
+          <a:p>
+            <a:r>
+              <a:rPr lang="ko-KR" altLang="en-US" sz="2000" dirty="0" smtClean="0"/>
+              <a:t>전체 </a:t>
+            </a:r>
+            <a:r>
+              <a:rPr lang="ko-KR" altLang="en-US" sz="2000" dirty="0" err="1" smtClean="0"/>
+              <a:t>선택자</a:t>
+            </a:r>
+            <a:r>
+              <a:rPr lang="ko-KR" altLang="en-US" sz="2000" dirty="0" smtClean="0"/>
+              <a:t> 목록</a:t>
+            </a:r>
+            <a:endParaRPr lang="en-US" altLang="ko-KR" sz="2000" dirty="0" smtClean="0"/>
+          </a:p>
+          <a:p>
+            <a:pPr lvl="1"/>
+            <a:r>
+              <a:rPr lang="en-US" altLang="ko-KR" sz="1600" dirty="0" smtClean="0"/>
+              <a:t>https</a:t>
+            </a:r>
+            <a:r>
+              <a:rPr lang="en-US" altLang="ko-KR" sz="1600" dirty="0"/>
+              <a:t>://</a:t>
+            </a:r>
+            <a:r>
+              <a:rPr lang="en-US" altLang="ko-KR" sz="1600" dirty="0" err="1"/>
+              <a:t>developer.mozilla.org</a:t>
+            </a:r>
+            <a:r>
+              <a:rPr lang="en-US" altLang="ko-KR" sz="1600" dirty="0"/>
+              <a:t>/</a:t>
+            </a:r>
+            <a:r>
+              <a:rPr lang="en-US" altLang="ko-KR" sz="1600" dirty="0" err="1"/>
+              <a:t>ko</a:t>
+            </a:r>
+            <a:r>
+              <a:rPr lang="en-US" altLang="ko-KR" sz="1600" dirty="0"/>
+              <a:t>/docs/Web/</a:t>
+            </a:r>
+            <a:r>
+              <a:rPr lang="en-US" altLang="ko-KR" sz="1600" dirty="0" err="1"/>
+              <a:t>CSS</a:t>
+            </a:r>
+            <a:r>
+              <a:rPr lang="en-US" altLang="ko-KR" sz="1600" dirty="0"/>
+              <a:t>/</a:t>
+            </a:r>
+            <a:r>
+              <a:rPr lang="en-US" altLang="ko-KR" sz="1600" dirty="0" err="1"/>
+              <a:t>CSS_Selectors</a:t>
+            </a:r>
+            <a:endParaRPr lang="en-US" altLang="ko-KR" sz="1600" dirty="0"/>
+          </a:p>
+        </p:txBody>
+      </p:sp>
+      <p:pic>
+        <p:nvPicPr>
+          <p:cNvPr id="6" name="그림 5"/>
+          <p:cNvPicPr>
+            <a:picLocks noChangeAspect="1"/>
+          </p:cNvPicPr>
+          <p:nvPr/>
+        </p:nvPicPr>
+        <p:blipFill>
+          <a:blip r:embed="rId3"/>
+          <a:stretch>
+            <a:fillRect/>
+          </a:stretch>
+        </p:blipFill>
+        <p:spPr>
+          <a:xfrm>
+            <a:off x="4499992" y="1600200"/>
+            <a:ext cx="4476088" cy="4842123"/>
+          </a:xfrm>
+          <a:prstGeom prst="rect">
+            <a:avLst/>
+          </a:prstGeom>
+        </p:spPr>
+      </p:pic>
+    </p:spTree>
+    <p:extLst>
+      <p:ext uri="{BB962C8B-B14F-4D97-AF65-F5344CB8AC3E}">
+        <p14:creationId xmlns:p14="http://schemas.microsoft.com/office/powerpoint/2010/main" val="3027269457"/>
+      </p:ext>
+    </p:extLst>
+  </p:cSld>
+  <p:clrMapOvr>
+    <a:masterClrMapping/>
+  </p:clrMapOvr>
+  <p:timing>
+    <p:tnLst>
+      <p:par>
+        <p:cTn id="1" dur="indefinite" restart="never" nodeType="tmRoot"/>
+      </p:par>
+    </p:tnLst>
+  </p:timing>
+</p:sld>
+</file>
+
+<file path=ppt/slides/slide25.xml><?xml version="1.0" encoding="utf-8"?>
 <p:sld xmlns:a="http://schemas.openxmlformats.org/drawingml/2006/main" xmlns:r="http://schemas.openxmlformats.org/officeDocument/2006/relationships" xmlns:p="http://schemas.openxmlformats.org/presentationml/2006/main">
   <p:cSld>
     <p:spTree>
@@ -14909,7 +15822,7 @@
           </a:lstStyle>
           <a:p>
             <a:r>
-              <a:rPr lang="en-US" altLang="ko-KR" smtClean="0">
+              <a:rPr lang="en-US" altLang="ko-KR" dirty="0" err="1" smtClean="0">
                 <a:solidFill>
                   <a:schemeClr val="accent2">
                     <a:lumMod val="50000"/>
@@ -14919,11 +15832,11 @@
               <a:t>h1</a:t>
             </a:r>
             <a:r>
-              <a:rPr lang="en-US" altLang="ko-KR" smtClean="0"/>
+              <a:rPr lang="en-US" altLang="ko-KR" dirty="0" smtClean="0"/>
               <a:t> { </a:t>
             </a:r>
             <a:r>
-              <a:rPr lang="en-US" altLang="ko-KR" smtClean="0">
+              <a:rPr lang="en-US" altLang="ko-KR" dirty="0" err="1" smtClean="0">
                 <a:solidFill>
                   <a:srgbClr val="FF0000"/>
                 </a:solidFill>
@@ -14931,11 +15844,11 @@
               <a:t>color</a:t>
             </a:r>
             <a:r>
-              <a:rPr lang="en-US" altLang="ko-KR" smtClean="0"/>
+              <a:rPr lang="en-US" altLang="ko-KR" dirty="0" err="1" smtClean="0"/>
               <a:t>:</a:t>
             </a:r>
             <a:r>
-              <a:rPr lang="en-US" altLang="ko-KR" smtClean="0">
+              <a:rPr lang="en-US" altLang="ko-KR" dirty="0" err="1" smtClean="0">
                 <a:solidFill>
                   <a:schemeClr val="tx2"/>
                 </a:solidFill>
@@ -14943,7 +15856,7 @@
               <a:t>red</a:t>
             </a:r>
             <a:r>
-              <a:rPr lang="en-US" altLang="ko-KR" smtClean="0"/>
+              <a:rPr lang="en-US" altLang="ko-KR" dirty="0" smtClean="0"/>
               <a:t>; }</a:t>
             </a:r>
             <a:endParaRPr lang="ko-KR" altLang="en-US" dirty="0"/>
@@ -15519,7 +16432,6 @@
               <a:rPr lang="en-US" altLang="ko-KR" dirty="0" smtClean="0"/>
               <a:t> </a:t>
             </a:r>
-            <a:endParaRPr lang="en-US" altLang="ko-KR" dirty="0" smtClean="0"/>
           </a:p>
           <a:p>
             <a:pPr lvl="1"/>
@@ -16402,26 +17314,15 @@
             </a:r>
             <a:r>
               <a:rPr lang="ko-KR" altLang="en-US" dirty="0" smtClean="0"/>
-              <a:t>태그에 선언</a:t>
-            </a:r>
-            <a:endParaRPr lang="en-US" altLang="ko-KR" dirty="0" smtClean="0"/>
-          </a:p>
-          <a:p>
-            <a:r>
-              <a:rPr lang="en-US" altLang="ko-KR" dirty="0" smtClean="0"/>
-              <a:t>3</a:t>
+              <a:t>태그에 </a:t>
             </a:r>
             <a:r>
               <a:rPr lang="ko-KR" altLang="en-US" dirty="0" smtClean="0"/>
-              <a:t>순위</a:t>
-            </a:r>
-            <a:r>
-              <a:rPr lang="en-US" altLang="ko-KR" dirty="0" smtClean="0"/>
-              <a:t>: </a:t>
+              <a:t>선언 또는 링크 </a:t>
             </a:r>
             <a:r>
               <a:rPr lang="ko-KR" altLang="en-US" dirty="0" smtClean="0"/>
-              <a:t>링크 태그로 </a:t>
+              <a:t>태그로 </a:t>
             </a:r>
             <a:r>
               <a:rPr lang="en-US" altLang="ko-KR" dirty="0" err="1" smtClean="0"/>
@@ -16433,7 +17334,27 @@
             </a:r>
             <a:r>
               <a:rPr lang="ko-KR" altLang="en-US" dirty="0" smtClean="0"/>
-              <a:t>파일 참조</a:t>
+              <a:t>파일 </a:t>
+            </a:r>
+            <a:r>
+              <a:rPr lang="ko-KR" altLang="en-US" dirty="0" smtClean="0"/>
+              <a:t>참조</a:t>
+            </a:r>
+            <a:endParaRPr lang="en-US" altLang="ko-KR" dirty="0" smtClean="0"/>
+          </a:p>
+          <a:p>
+            <a:pPr lvl="1"/>
+            <a:r>
+              <a:rPr lang="ko-KR" altLang="en-US" dirty="0" smtClean="0"/>
+              <a:t>삽입 위치와 </a:t>
+            </a:r>
+            <a:r>
+              <a:rPr lang="ko-KR" altLang="en-US" dirty="0" err="1" smtClean="0"/>
+              <a:t>선택자에</a:t>
+            </a:r>
+            <a:r>
+              <a:rPr lang="ko-KR" altLang="en-US" dirty="0" smtClean="0"/>
+              <a:t> 따라서 가장 나중에 넣은 것이 적용</a:t>
             </a:r>
             <a:endParaRPr lang="en-US" altLang="ko-KR" dirty="0" smtClean="0"/>
           </a:p>
